--- a/Roslyn Analyzers in Visual Studio (10 Min - Lightning).pptx
+++ b/Roslyn Analyzers in Visual Studio (10 Min - Lightning).pptx
@@ -113,6 +113,11 @@
       </a:defRPr>
     </a:lvl9pPr>
   </p:defaultTextStyle>
+  <p:extLst>
+    <p:ext uri="{EFAFB233-063F-42B5-8137-9DF3F51BA10A}">
+      <p15:sldGuideLst xmlns:p15="http://schemas.microsoft.com/office/powerpoint/2012/main"/>
+    </p:ext>
+  </p:extLst>
 </p:presentation>
 </file>
 
@@ -198,7 +203,7 @@
           <a:p>
             <a:fld id="{13D163C2-54BD-4878-BD8F-7B5CF3EF7831}" type="datetimeFigureOut">
               <a:rPr lang="en-US" smtClean="0"/>
-              <a:t>3/31/2018</a:t>
+              <a:t>4/15/2018</a:t>
             </a:fld>
             <a:endParaRPr lang="en-US"/>
           </a:p>
@@ -1364,7 +1369,7 @@
           <a:p>
             <a:fld id="{D57F6F6C-A7F5-4604-B188-71018EF39FEC}" type="datetime1">
               <a:rPr lang="en-US" smtClean="0"/>
-              <a:t>3/31/2018</a:t>
+              <a:t>4/15/2018</a:t>
             </a:fld>
             <a:endParaRPr lang="en-US" dirty="0"/>
           </a:p>
@@ -1661,7 +1666,7 @@
           <a:p>
             <a:fld id="{1EC08ACE-C5E9-4736-91E6-9242425F1486}" type="datetime1">
               <a:rPr lang="en-US" smtClean="0"/>
-              <a:t>3/31/2018</a:t>
+              <a:t>4/15/2018</a:t>
             </a:fld>
             <a:endParaRPr lang="en-US" dirty="0"/>
           </a:p>
@@ -1974,7 +1979,7 @@
           <a:p>
             <a:fld id="{FC7CB12D-88D0-44C7-8104-07FD7BD33277}" type="datetime1">
               <a:rPr lang="en-US" smtClean="0"/>
-              <a:t>3/31/2018</a:t>
+              <a:t>4/15/2018</a:t>
             </a:fld>
             <a:endParaRPr lang="en-US" dirty="0"/>
           </a:p>
@@ -2314,7 +2319,7 @@
           <a:p>
             <a:fld id="{DC4C212C-958B-441D-A6FF-26EC37D596DA}" type="datetime1">
               <a:rPr lang="en-US" smtClean="0"/>
-              <a:t>3/31/2018</a:t>
+              <a:t>4/15/2018</a:t>
             </a:fld>
             <a:endParaRPr lang="en-US" dirty="0"/>
           </a:p>
@@ -2627,7 +2632,7 @@
           <a:p>
             <a:fld id="{1BA520A2-4A0F-4367-A6D2-0E333CBD075F}" type="datetime1">
               <a:rPr lang="en-US" smtClean="0"/>
-              <a:t>3/31/2018</a:t>
+              <a:t>4/15/2018</a:t>
             </a:fld>
             <a:endParaRPr lang="en-US" dirty="0"/>
           </a:p>
@@ -3019,7 +3024,7 @@
           <a:p>
             <a:fld id="{F3301EEC-B373-4D58-806E-5B4C1EDE1C48}" type="datetime1">
               <a:rPr lang="en-US" smtClean="0"/>
-              <a:t>3/31/2018</a:t>
+              <a:t>4/15/2018</a:t>
             </a:fld>
             <a:endParaRPr lang="en-US" dirty="0"/>
           </a:p>
@@ -3188,7 +3193,7 @@
           <a:p>
             <a:fld id="{7504900B-DF1D-4CB3-93FE-682C2137205B}" type="datetime1">
               <a:rPr lang="en-US" smtClean="0"/>
-              <a:t>3/31/2018</a:t>
+              <a:t>4/15/2018</a:t>
             </a:fld>
             <a:endParaRPr lang="en-US" dirty="0"/>
           </a:p>
@@ -3366,7 +3371,7 @@
           <a:p>
             <a:fld id="{8B9949FD-575F-47AD-B4C8-1DDD2C5B7065}" type="datetime1">
               <a:rPr lang="en-US" smtClean="0"/>
-              <a:t>3/31/2018</a:t>
+              <a:t>4/15/2018</a:t>
             </a:fld>
             <a:endParaRPr lang="en-US" dirty="0"/>
           </a:p>
@@ -3541,7 +3546,7 @@
           <a:p>
             <a:fld id="{41653725-6173-4BB3-8EA4-35620C87994A}" type="datetime1">
               <a:rPr lang="en-US" smtClean="0"/>
-              <a:t>3/31/2018</a:t>
+              <a:t>4/15/2018</a:t>
             </a:fld>
             <a:endParaRPr lang="en-US" dirty="0"/>
           </a:p>
@@ -3787,7 +3792,7 @@
           <a:p>
             <a:fld id="{2E6827C8-9018-4407-A310-CB1BC0F22267}" type="datetime1">
               <a:rPr lang="en-US" smtClean="0"/>
-              <a:t>3/31/2018</a:t>
+              <a:t>4/15/2018</a:t>
             </a:fld>
             <a:endParaRPr lang="en-US" dirty="0"/>
           </a:p>
@@ -4018,7 +4023,7 @@
           <a:p>
             <a:fld id="{7E5F771B-4E9B-4442-AEA0-2AE2FD72504F}" type="datetime1">
               <a:rPr lang="en-US" smtClean="0"/>
-              <a:t>3/31/2018</a:t>
+              <a:t>4/15/2018</a:t>
             </a:fld>
             <a:endParaRPr lang="en-US" dirty="0"/>
           </a:p>
@@ -4390,7 +4395,7 @@
           <a:p>
             <a:fld id="{4D562924-A3D6-4DAE-96E5-C5D0A96D3261}" type="datetime1">
               <a:rPr lang="en-US" smtClean="0"/>
-              <a:t>3/31/2018</a:t>
+              <a:t>4/15/2018</a:t>
             </a:fld>
             <a:endParaRPr lang="en-US" dirty="0"/>
           </a:p>
@@ -4512,7 +4517,7 @@
           <a:p>
             <a:fld id="{B863C432-120B-472A-86C3-BD590BA5C419}" type="datetime1">
               <a:rPr lang="en-US" smtClean="0"/>
-              <a:t>3/31/2018</a:t>
+              <a:t>4/15/2018</a:t>
             </a:fld>
             <a:endParaRPr lang="en-US" dirty="0"/>
           </a:p>
@@ -4606,7 +4611,7 @@
           <a:p>
             <a:fld id="{BD15254A-AD0B-411D-A070-22D12235F704}" type="datetime1">
               <a:rPr lang="en-US" smtClean="0"/>
-              <a:t>3/31/2018</a:t>
+              <a:t>4/15/2018</a:t>
             </a:fld>
             <a:endParaRPr lang="en-US" dirty="0"/>
           </a:p>
@@ -4860,7 +4865,7 @@
           <a:p>
             <a:fld id="{99049C7F-DE1D-4747-8918-19767129DC68}" type="datetime1">
               <a:rPr lang="en-US" smtClean="0"/>
-              <a:t>3/31/2018</a:t>
+              <a:t>4/15/2018</a:t>
             </a:fld>
             <a:endParaRPr lang="en-US" dirty="0"/>
           </a:p>
@@ -5121,7 +5126,7 @@
           <a:p>
             <a:fld id="{92169159-EB57-4884-B363-5468BFCB9EAF}" type="datetime1">
               <a:rPr lang="en-US" smtClean="0"/>
-              <a:t>3/31/2018</a:t>
+              <a:t>4/15/2018</a:t>
             </a:fld>
             <a:endParaRPr lang="en-US" dirty="0"/>
           </a:p>
@@ -5863,7 +5868,7 @@
           <a:p>
             <a:fld id="{187460BB-DB6B-4801-A623-2FF5E7A8C63E}" type="datetime1">
               <a:rPr lang="en-US" smtClean="0"/>
-              <a:t>3/31/2018</a:t>
+              <a:t>4/15/2018</a:t>
             </a:fld>
             <a:endParaRPr lang="en-US" dirty="0"/>
           </a:p>
@@ -7248,8 +7253,17 @@
               <a:rPr lang="en-US" dirty="0">
                 <a:hlinkClick r:id="rId6"/>
               </a:rPr>
-              <a:t>https://github.com/johnkoerner/AnalyzersTalks</a:t>
-            </a:r>
+              <a:t>https://github.com/johnkoerner</a:t>
+            </a:r>
+            <a:r>
+              <a:rPr lang="en-US">
+                <a:hlinkClick r:id="rId6"/>
+              </a:rPr>
+              <a:t>/AnalyzersLightningTalk</a:t>
+            </a:r>
+            <a:endParaRPr lang="en-US"/>
+          </a:p>
+          <a:p>
             <a:endParaRPr lang="en-US" dirty="0"/>
           </a:p>
         </p:txBody>
